--- a/ds/3des/04-ts/aula01/Aula 01 - TS .pptx
+++ b/ds/3des/04-ts/aula01/Aula 01 - TS .pptx
@@ -683,7 +683,7 @@
             </a:extLst>
           </p:cNvPr>
           <p:cNvSpPr>
-            <a:spLocks noRot="1" noChangeArrowheads="1" noTextEdit="1"/>
+            <a:spLocks noGrp="1" noRot="1" noChangeAspect="1" noChangeArrowheads="1" noTextEdit="1"/>
           </p:cNvSpPr>
           <p:nvPr>
             <p:ph type="sldImg"/>
@@ -938,7 +938,7 @@
             </a:extLst>
           </p:cNvPr>
           <p:cNvSpPr>
-            <a:spLocks noRot="1" noChangeArrowheads="1" noTextEdit="1"/>
+            <a:spLocks noGrp="1" noRot="1" noChangeAspect="1" noChangeArrowheads="1" noTextEdit="1"/>
           </p:cNvSpPr>
           <p:nvPr>
             <p:ph type="sldImg"/>
@@ -1193,7 +1193,7 @@
             </a:extLst>
           </p:cNvPr>
           <p:cNvSpPr>
-            <a:spLocks noRot="1" noChangeArrowheads="1" noTextEdit="1"/>
+            <a:spLocks noGrp="1" noRot="1" noChangeAspect="1" noChangeArrowheads="1" noTextEdit="1"/>
           </p:cNvSpPr>
           <p:nvPr>
             <p:ph type="sldImg"/>
@@ -1440,7 +1440,7 @@
             </a:extLst>
           </p:cNvPr>
           <p:cNvSpPr>
-            <a:spLocks noRot="1" noChangeArrowheads="1" noTextEdit="1"/>
+            <a:spLocks noGrp="1" noRot="1" noChangeAspect="1" noChangeArrowheads="1" noTextEdit="1"/>
           </p:cNvSpPr>
           <p:nvPr>
             <p:ph type="sldImg"/>
@@ -1687,7 +1687,7 @@
             </a:extLst>
           </p:cNvPr>
           <p:cNvSpPr>
-            <a:spLocks noRot="1" noChangeArrowheads="1" noTextEdit="1"/>
+            <a:spLocks noGrp="1" noRot="1" noChangeAspect="1" noChangeArrowheads="1" noTextEdit="1"/>
           </p:cNvSpPr>
           <p:nvPr>
             <p:ph type="sldImg"/>
@@ -1942,7 +1942,7 @@
             </a:extLst>
           </p:cNvPr>
           <p:cNvSpPr>
-            <a:spLocks noRot="1" noChangeArrowheads="1" noTextEdit="1"/>
+            <a:spLocks noGrp="1" noRot="1" noChangeAspect="1" noChangeArrowheads="1" noTextEdit="1"/>
           </p:cNvSpPr>
           <p:nvPr>
             <p:ph type="sldImg"/>
@@ -2197,7 +2197,7 @@
             </a:extLst>
           </p:cNvPr>
           <p:cNvSpPr>
-            <a:spLocks noRot="1" noChangeArrowheads="1" noTextEdit="1"/>
+            <a:spLocks noGrp="1" noRot="1" noChangeAspect="1" noChangeArrowheads="1" noTextEdit="1"/>
           </p:cNvSpPr>
           <p:nvPr>
             <p:ph type="sldImg"/>
@@ -2452,7 +2452,7 @@
             </a:extLst>
           </p:cNvPr>
           <p:cNvSpPr>
-            <a:spLocks noRot="1" noChangeArrowheads="1" noTextEdit="1"/>
+            <a:spLocks noGrp="1" noRot="1" noChangeAspect="1" noChangeArrowheads="1" noTextEdit="1"/>
           </p:cNvSpPr>
           <p:nvPr>
             <p:ph type="sldImg"/>
@@ -2707,7 +2707,7 @@
             </a:extLst>
           </p:cNvPr>
           <p:cNvSpPr>
-            <a:spLocks noRot="1" noChangeArrowheads="1" noTextEdit="1"/>
+            <a:spLocks noGrp="1" noRot="1" noChangeAspect="1" noChangeArrowheads="1" noTextEdit="1"/>
           </p:cNvSpPr>
           <p:nvPr>
             <p:ph type="sldImg"/>
@@ -2962,7 +2962,7 @@
             </a:extLst>
           </p:cNvPr>
           <p:cNvSpPr>
-            <a:spLocks noRot="1" noChangeArrowheads="1" noTextEdit="1"/>
+            <a:spLocks noGrp="1" noRot="1" noChangeAspect="1" noChangeArrowheads="1" noTextEdit="1"/>
           </p:cNvSpPr>
           <p:nvPr>
             <p:ph type="sldImg"/>
@@ -3209,7 +3209,7 @@
             </a:extLst>
           </p:cNvPr>
           <p:cNvSpPr>
-            <a:spLocks noRot="1" noChangeArrowheads="1" noTextEdit="1"/>
+            <a:spLocks noGrp="1" noRot="1" noChangeAspect="1" noChangeArrowheads="1" noTextEdit="1"/>
           </p:cNvSpPr>
           <p:nvPr>
             <p:ph type="sldImg"/>
@@ -3464,7 +3464,7 @@
             </a:extLst>
           </p:cNvPr>
           <p:cNvSpPr>
-            <a:spLocks noRot="1" noChangeArrowheads="1" noTextEdit="1"/>
+            <a:spLocks noGrp="1" noRot="1" noChangeAspect="1" noChangeArrowheads="1" noTextEdit="1"/>
           </p:cNvSpPr>
           <p:nvPr>
             <p:ph type="sldImg"/>
@@ -3711,7 +3711,7 @@
             </a:extLst>
           </p:cNvPr>
           <p:cNvSpPr>
-            <a:spLocks noRot="1" noChangeArrowheads="1" noTextEdit="1"/>
+            <a:spLocks noGrp="1" noRot="1" noChangeAspect="1" noChangeArrowheads="1" noTextEdit="1"/>
           </p:cNvSpPr>
           <p:nvPr>
             <p:ph type="sldImg"/>
@@ -3966,7 +3966,7 @@
             </a:extLst>
           </p:cNvPr>
           <p:cNvSpPr>
-            <a:spLocks noRot="1" noChangeArrowheads="1" noTextEdit="1"/>
+            <a:spLocks noGrp="1" noRot="1" noChangeAspect="1" noChangeArrowheads="1" noTextEdit="1"/>
           </p:cNvSpPr>
           <p:nvPr>
             <p:ph type="sldImg"/>
@@ -4221,7 +4221,7 @@
             </a:extLst>
           </p:cNvPr>
           <p:cNvSpPr>
-            <a:spLocks noRot="1" noChangeArrowheads="1" noTextEdit="1"/>
+            <a:spLocks noGrp="1" noRot="1" noChangeAspect="1" noChangeArrowheads="1" noTextEdit="1"/>
           </p:cNvSpPr>
           <p:nvPr>
             <p:ph type="sldImg"/>
@@ -4476,7 +4476,7 @@
             </a:extLst>
           </p:cNvPr>
           <p:cNvSpPr>
-            <a:spLocks noRot="1" noChangeArrowheads="1" noTextEdit="1"/>
+            <a:spLocks noGrp="1" noRot="1" noChangeAspect="1" noChangeArrowheads="1" noTextEdit="1"/>
           </p:cNvSpPr>
           <p:nvPr>
             <p:ph type="sldImg"/>
@@ -4723,7 +4723,7 @@
             </a:extLst>
           </p:cNvPr>
           <p:cNvSpPr>
-            <a:spLocks noRot="1" noChangeArrowheads="1" noTextEdit="1"/>
+            <a:spLocks noGrp="1" noRot="1" noChangeAspect="1" noChangeArrowheads="1" noTextEdit="1"/>
           </p:cNvSpPr>
           <p:nvPr>
             <p:ph type="sldImg"/>
@@ -4978,7 +4978,7 @@
             </a:extLst>
           </p:cNvPr>
           <p:cNvSpPr>
-            <a:spLocks noRot="1" noChangeArrowheads="1" noTextEdit="1"/>
+            <a:spLocks noGrp="1" noRot="1" noChangeAspect="1" noChangeArrowheads="1" noTextEdit="1"/>
           </p:cNvSpPr>
           <p:nvPr>
             <p:ph type="sldImg"/>
@@ -5412,7 +5412,7 @@
             </a:extLst>
           </p:cNvPr>
           <p:cNvSpPr>
-            <a:spLocks noRot="1" noChangeArrowheads="1" noTextEdit="1"/>
+            <a:spLocks noGrp="1" noRot="1" noChangeAspect="1" noChangeArrowheads="1" noTextEdit="1"/>
           </p:cNvSpPr>
           <p:nvPr>
             <p:ph type="sldImg"/>
@@ -5667,7 +5667,7 @@
             </a:extLst>
           </p:cNvPr>
           <p:cNvSpPr>
-            <a:spLocks noRot="1" noChangeArrowheads="1" noTextEdit="1"/>
+            <a:spLocks noGrp="1" noRot="1" noChangeAspect="1" noChangeArrowheads="1" noTextEdit="1"/>
           </p:cNvSpPr>
           <p:nvPr>
             <p:ph type="sldImg"/>
@@ -5922,7 +5922,7 @@
             </a:extLst>
           </p:cNvPr>
           <p:cNvSpPr>
-            <a:spLocks noRot="1" noChangeArrowheads="1" noTextEdit="1"/>
+            <a:spLocks noGrp="1" noRot="1" noChangeAspect="1" noChangeArrowheads="1" noTextEdit="1"/>
           </p:cNvSpPr>
           <p:nvPr>
             <p:ph type="sldImg"/>
@@ -6177,7 +6177,7 @@
             </a:extLst>
           </p:cNvPr>
           <p:cNvSpPr>
-            <a:spLocks noRot="1" noChangeArrowheads="1" noTextEdit="1"/>
+            <a:spLocks noGrp="1" noRot="1" noChangeAspect="1" noChangeArrowheads="1" noTextEdit="1"/>
           </p:cNvSpPr>
           <p:nvPr>
             <p:ph type="sldImg"/>
@@ -6432,7 +6432,7 @@
             </a:extLst>
           </p:cNvPr>
           <p:cNvSpPr>
-            <a:spLocks noRot="1" noChangeArrowheads="1" noTextEdit="1"/>
+            <a:spLocks noGrp="1" noRot="1" noChangeAspect="1" noChangeArrowheads="1" noTextEdit="1"/>
           </p:cNvSpPr>
           <p:nvPr>
             <p:ph type="sldImg"/>
@@ -6687,7 +6687,7 @@
             </a:extLst>
           </p:cNvPr>
           <p:cNvSpPr>
-            <a:spLocks noRot="1" noChangeArrowheads="1" noTextEdit="1"/>
+            <a:spLocks noGrp="1" noRot="1" noChangeAspect="1" noChangeArrowheads="1" noTextEdit="1"/>
           </p:cNvSpPr>
           <p:nvPr>
             <p:ph type="sldImg"/>
@@ -7121,7 +7121,7 @@
             </a:extLst>
           </p:cNvPr>
           <p:cNvSpPr>
-            <a:spLocks noRot="1" noChangeArrowheads="1" noTextEdit="1"/>
+            <a:spLocks noGrp="1" noRot="1" noChangeAspect="1" noChangeArrowheads="1" noTextEdit="1"/>
           </p:cNvSpPr>
           <p:nvPr>
             <p:ph type="sldImg"/>
@@ -7376,7 +7376,7 @@
             </a:extLst>
           </p:cNvPr>
           <p:cNvSpPr>
-            <a:spLocks noRot="1" noChangeArrowheads="1" noTextEdit="1"/>
+            <a:spLocks noGrp="1" noRot="1" noChangeAspect="1" noChangeArrowheads="1" noTextEdit="1"/>
           </p:cNvSpPr>
           <p:nvPr>
             <p:ph type="sldImg"/>
@@ -7631,7 +7631,7 @@
             </a:extLst>
           </p:cNvPr>
           <p:cNvSpPr>
-            <a:spLocks noRot="1" noChangeArrowheads="1" noTextEdit="1"/>
+            <a:spLocks noGrp="1" noRot="1" noChangeAspect="1" noChangeArrowheads="1" noTextEdit="1"/>
           </p:cNvSpPr>
           <p:nvPr>
             <p:ph type="sldImg"/>
@@ -7886,7 +7886,7 @@
             </a:extLst>
           </p:cNvPr>
           <p:cNvSpPr>
-            <a:spLocks noRot="1" noChangeArrowheads="1" noTextEdit="1"/>
+            <a:spLocks noGrp="1" noRot="1" noChangeAspect="1" noChangeArrowheads="1" noTextEdit="1"/>
           </p:cNvSpPr>
           <p:nvPr>
             <p:ph type="sldImg"/>
@@ -8141,7 +8141,7 @@
             </a:extLst>
           </p:cNvPr>
           <p:cNvSpPr>
-            <a:spLocks noRot="1" noChangeArrowheads="1" noTextEdit="1"/>
+            <a:spLocks noGrp="1" noRot="1" noChangeAspect="1" noChangeArrowheads="1" noTextEdit="1"/>
           </p:cNvSpPr>
           <p:nvPr>
             <p:ph type="sldImg"/>
@@ -8396,7 +8396,7 @@
             </a:extLst>
           </p:cNvPr>
           <p:cNvSpPr>
-            <a:spLocks noRot="1" noChangeArrowheads="1" noTextEdit="1"/>
+            <a:spLocks noGrp="1" noRot="1" noChangeAspect="1" noChangeArrowheads="1" noTextEdit="1"/>
           </p:cNvSpPr>
           <p:nvPr>
             <p:ph type="sldImg"/>
@@ -8643,7 +8643,7 @@
             </a:extLst>
           </p:cNvPr>
           <p:cNvSpPr>
-            <a:spLocks noRot="1" noChangeArrowheads="1" noTextEdit="1"/>
+            <a:spLocks noGrp="1" noRot="1" noChangeAspect="1" noChangeArrowheads="1" noTextEdit="1"/>
           </p:cNvSpPr>
           <p:nvPr>
             <p:ph type="sldImg"/>
@@ -8767,7 +8767,7 @@
           <a:noFill/>
           <a:extLst>
             <a:ext uri="{909E8E84-426E-40dd-AFC4-6F175D3DCCD1}">
-              <a14:hiddenFill xmlns="" xmlns:a14="http://schemas.microsoft.com/office/drawing/2010/main">
+              <a14:hiddenFill xmlns:a14="http://schemas.microsoft.com/office/drawing/2010/main" xmlns="">
                 <a:solidFill>
                   <a:srgbClr val="FFFFFF"/>
                 </a:solidFill>
@@ -8827,7 +8827,7 @@
             </a:ln>
             <a:extLst>
               <a:ext uri="{91240B29-F687-4f45-9708-019B960494DF}">
-                <a14:hiddenLine xmlns="" xmlns:a14="http://schemas.microsoft.com/office/drawing/2010/main" w="9525">
+                <a14:hiddenLine xmlns:a14="http://schemas.microsoft.com/office/drawing/2010/main" xmlns="" w="9525">
                   <a:solidFill>
                     <a:srgbClr val="000000"/>
                   </a:solidFill>
@@ -8917,7 +8917,7 @@
             </a:ln>
             <a:extLst>
               <a:ext uri="{91240B29-F687-4f45-9708-019B960494DF}">
-                <a14:hiddenLine xmlns="" xmlns:a14="http://schemas.microsoft.com/office/drawing/2010/main" w="9525">
+                <a14:hiddenLine xmlns:a14="http://schemas.microsoft.com/office/drawing/2010/main" xmlns="" w="9525">
                   <a:solidFill>
                     <a:srgbClr val="000000"/>
                   </a:solidFill>
@@ -9007,7 +9007,7 @@
             </a:ln>
             <a:extLst>
               <a:ext uri="{91240B29-F687-4f45-9708-019B960494DF}">
-                <a14:hiddenLine xmlns="" xmlns:a14="http://schemas.microsoft.com/office/drawing/2010/main" w="9525">
+                <a14:hiddenLine xmlns:a14="http://schemas.microsoft.com/office/drawing/2010/main" xmlns="" w="9525">
                   <a:solidFill>
                     <a:srgbClr val="000000"/>
                   </a:solidFill>
@@ -9041,7 +9041,7 @@
             </a:ln>
             <a:extLst>
               <a:ext uri="{91240B29-F687-4f45-9708-019B960494DF}">
-                <a14:hiddenLine xmlns="" xmlns:a14="http://schemas.microsoft.com/office/drawing/2010/main" w="9525">
+                <a14:hiddenLine xmlns:a14="http://schemas.microsoft.com/office/drawing/2010/main" xmlns="" w="9525">
                   <a:solidFill>
                     <a:srgbClr val="000000"/>
                   </a:solidFill>
@@ -9131,7 +9131,7 @@
             </a:ln>
             <a:extLst>
               <a:ext uri="{91240B29-F687-4f45-9708-019B960494DF}">
-                <a14:hiddenLine xmlns="" xmlns:a14="http://schemas.microsoft.com/office/drawing/2010/main" w="9525">
+                <a14:hiddenLine xmlns:a14="http://schemas.microsoft.com/office/drawing/2010/main" xmlns="" w="9525">
                   <a:solidFill>
                     <a:srgbClr val="000000"/>
                   </a:solidFill>
@@ -9193,7 +9193,7 @@
             </a:ln>
             <a:extLst>
               <a:ext uri="{91240B29-F687-4f45-9708-019B960494DF}">
-                <a14:hiddenLine xmlns="" xmlns:a14="http://schemas.microsoft.com/office/drawing/2010/main" w="9525">
+                <a14:hiddenLine xmlns:a14="http://schemas.microsoft.com/office/drawing/2010/main" xmlns="" w="9525">
                   <a:solidFill>
                     <a:srgbClr val="000000"/>
                   </a:solidFill>
@@ -9255,7 +9255,7 @@
             </a:ln>
             <a:extLst>
               <a:ext uri="{91240B29-F687-4f45-9708-019B960494DF}">
-                <a14:hiddenLine xmlns="" xmlns:a14="http://schemas.microsoft.com/office/drawing/2010/main" w="9525">
+                <a14:hiddenLine xmlns:a14="http://schemas.microsoft.com/office/drawing/2010/main" xmlns="" w="9525">
                   <a:solidFill>
                     <a:srgbClr val="000000"/>
                   </a:solidFill>
@@ -9345,7 +9345,7 @@
             </a:ln>
             <a:extLst>
               <a:ext uri="{91240B29-F687-4f45-9708-019B960494DF}">
-                <a14:hiddenLine xmlns="" xmlns:a14="http://schemas.microsoft.com/office/drawing/2010/main" w="9525">
+                <a14:hiddenLine xmlns:a14="http://schemas.microsoft.com/office/drawing/2010/main" xmlns="" w="9525">
                   <a:solidFill>
                     <a:srgbClr val="000000"/>
                   </a:solidFill>
@@ -9407,7 +9407,7 @@
             </a:ln>
             <a:extLst>
               <a:ext uri="{91240B29-F687-4f45-9708-019B960494DF}">
-                <a14:hiddenLine xmlns="" xmlns:a14="http://schemas.microsoft.com/office/drawing/2010/main" w="9525">
+                <a14:hiddenLine xmlns:a14="http://schemas.microsoft.com/office/drawing/2010/main" xmlns="" w="9525">
                   <a:solidFill>
                     <a:srgbClr val="000000"/>
                   </a:solidFill>
@@ -9469,7 +9469,7 @@
             </a:ln>
             <a:extLst>
               <a:ext uri="{91240B29-F687-4f45-9708-019B960494DF}">
-                <a14:hiddenLine xmlns="" xmlns:a14="http://schemas.microsoft.com/office/drawing/2010/main" w="9525">
+                <a14:hiddenLine xmlns:a14="http://schemas.microsoft.com/office/drawing/2010/main" xmlns="" w="9525">
                   <a:solidFill>
                     <a:srgbClr val="000000"/>
                   </a:solidFill>
@@ -9559,7 +9559,7 @@
             </a:ln>
             <a:extLst>
               <a:ext uri="{91240B29-F687-4f45-9708-019B960494DF}">
-                <a14:hiddenLine xmlns="" xmlns:a14="http://schemas.microsoft.com/office/drawing/2010/main" w="9525">
+                <a14:hiddenLine xmlns:a14="http://schemas.microsoft.com/office/drawing/2010/main" xmlns="" w="9525">
                   <a:solidFill>
                     <a:srgbClr val="000000"/>
                   </a:solidFill>
@@ -9649,7 +9649,7 @@
             </a:ln>
             <a:extLst>
               <a:ext uri="{91240B29-F687-4f45-9708-019B960494DF}">
-                <a14:hiddenLine xmlns="" xmlns:a14="http://schemas.microsoft.com/office/drawing/2010/main" w="9525">
+                <a14:hiddenLine xmlns:a14="http://schemas.microsoft.com/office/drawing/2010/main" xmlns="" w="9525">
                   <a:solidFill>
                     <a:srgbClr val="000000"/>
                   </a:solidFill>
@@ -9711,7 +9711,7 @@
             </a:ln>
             <a:extLst>
               <a:ext uri="{91240B29-F687-4f45-9708-019B960494DF}">
-                <a14:hiddenLine xmlns="" xmlns:a14="http://schemas.microsoft.com/office/drawing/2010/main" w="9525">
+                <a14:hiddenLine xmlns:a14="http://schemas.microsoft.com/office/drawing/2010/main" xmlns="" w="9525">
                   <a:solidFill>
                     <a:srgbClr val="000000"/>
                   </a:solidFill>
@@ -9821,7 +9821,7 @@
             </a:ln>
             <a:extLst>
               <a:ext uri="{91240B29-F687-4f45-9708-019B960494DF}">
-                <a14:hiddenLine xmlns="" xmlns:a14="http://schemas.microsoft.com/office/drawing/2010/main" w="9525">
+                <a14:hiddenLine xmlns:a14="http://schemas.microsoft.com/office/drawing/2010/main" xmlns="" w="9525">
                   <a:solidFill>
                     <a:srgbClr val="000000"/>
                   </a:solidFill>
@@ -9883,7 +9883,7 @@
             </a:ln>
             <a:extLst>
               <a:ext uri="{91240B29-F687-4f45-9708-019B960494DF}">
-                <a14:hiddenLine xmlns="" xmlns:a14="http://schemas.microsoft.com/office/drawing/2010/main" w="9525">
+                <a14:hiddenLine xmlns:a14="http://schemas.microsoft.com/office/drawing/2010/main" xmlns="" w="9525">
                   <a:solidFill>
                     <a:srgbClr val="000000"/>
                   </a:solidFill>
@@ -9973,7 +9973,7 @@
             </a:ln>
             <a:extLst>
               <a:ext uri="{91240B29-F687-4f45-9708-019B960494DF}">
-                <a14:hiddenLine xmlns="" xmlns:a14="http://schemas.microsoft.com/office/drawing/2010/main" w="9525">
+                <a14:hiddenLine xmlns:a14="http://schemas.microsoft.com/office/drawing/2010/main" xmlns="" w="9525">
                   <a:solidFill>
                     <a:srgbClr val="000000"/>
                   </a:solidFill>
@@ -10063,7 +10063,7 @@
             </a:ln>
             <a:extLst>
               <a:ext uri="{91240B29-F687-4f45-9708-019B960494DF}">
-                <a14:hiddenLine xmlns="" xmlns:a14="http://schemas.microsoft.com/office/drawing/2010/main" w="9525">
+                <a14:hiddenLine xmlns:a14="http://schemas.microsoft.com/office/drawing/2010/main" xmlns="" w="9525">
                   <a:solidFill>
                     <a:srgbClr val="000000"/>
                   </a:solidFill>
@@ -10125,7 +10125,7 @@
             </a:ln>
             <a:extLst>
               <a:ext uri="{91240B29-F687-4f45-9708-019B960494DF}">
-                <a14:hiddenLine xmlns="" xmlns:a14="http://schemas.microsoft.com/office/drawing/2010/main" w="9525">
+                <a14:hiddenLine xmlns:a14="http://schemas.microsoft.com/office/drawing/2010/main" xmlns="" w="9525">
                   <a:solidFill>
                     <a:srgbClr val="000000"/>
                   </a:solidFill>
@@ -10215,7 +10215,7 @@
             </a:ln>
             <a:extLst>
               <a:ext uri="{91240B29-F687-4f45-9708-019B960494DF}">
-                <a14:hiddenLine xmlns="" xmlns:a14="http://schemas.microsoft.com/office/drawing/2010/main" w="9525">
+                <a14:hiddenLine xmlns:a14="http://schemas.microsoft.com/office/drawing/2010/main" xmlns="" w="9525">
                   <a:solidFill>
                     <a:srgbClr val="000000"/>
                   </a:solidFill>
@@ -10305,7 +10305,7 @@
             </a:ln>
             <a:extLst>
               <a:ext uri="{91240B29-F687-4f45-9708-019B960494DF}">
-                <a14:hiddenLine xmlns="" xmlns:a14="http://schemas.microsoft.com/office/drawing/2010/main" w="9525">
+                <a14:hiddenLine xmlns:a14="http://schemas.microsoft.com/office/drawing/2010/main" xmlns="" w="9525">
                   <a:solidFill>
                     <a:srgbClr val="000000"/>
                   </a:solidFill>
@@ -10361,7 +10361,7 @@
             </a:ln>
             <a:extLst>
               <a:ext uri="{91240B29-F687-4f45-9708-019B960494DF}">
-                <a14:hiddenLine xmlns="" xmlns:a14="http://schemas.microsoft.com/office/drawing/2010/main" w="9525">
+                <a14:hiddenLine xmlns:a14="http://schemas.microsoft.com/office/drawing/2010/main" xmlns="" w="9525">
                   <a:solidFill>
                     <a:srgbClr val="000000"/>
                   </a:solidFill>
@@ -10451,7 +10451,7 @@
             </a:ln>
             <a:extLst>
               <a:ext uri="{91240B29-F687-4f45-9708-019B960494DF}">
-                <a14:hiddenLine xmlns="" xmlns:a14="http://schemas.microsoft.com/office/drawing/2010/main" w="9525">
+                <a14:hiddenLine xmlns:a14="http://schemas.microsoft.com/office/drawing/2010/main" xmlns="" w="9525">
                   <a:solidFill>
                     <a:srgbClr val="000000"/>
                   </a:solidFill>
@@ -10507,7 +10507,7 @@
             </a:ln>
             <a:extLst>
               <a:ext uri="{91240B29-F687-4f45-9708-019B960494DF}">
-                <a14:hiddenLine xmlns="" xmlns:a14="http://schemas.microsoft.com/office/drawing/2010/main" w="9525">
+                <a14:hiddenLine xmlns:a14="http://schemas.microsoft.com/office/drawing/2010/main" xmlns="" w="9525">
                   <a:solidFill>
                     <a:srgbClr val="000000"/>
                   </a:solidFill>
@@ -10597,7 +10597,7 @@
             </a:ln>
             <a:extLst>
               <a:ext uri="{91240B29-F687-4f45-9708-019B960494DF}">
-                <a14:hiddenLine xmlns="" xmlns:a14="http://schemas.microsoft.com/office/drawing/2010/main" w="9525">
+                <a14:hiddenLine xmlns:a14="http://schemas.microsoft.com/office/drawing/2010/main" xmlns="" w="9525">
                   <a:solidFill>
                     <a:srgbClr val="000000"/>
                   </a:solidFill>
@@ -10665,7 +10665,7 @@
             </a:ln>
             <a:extLst>
               <a:ext uri="{91240B29-F687-4f45-9708-019B960494DF}">
-                <a14:hiddenLine xmlns="" xmlns:a14="http://schemas.microsoft.com/office/drawing/2010/main" w="9525">
+                <a14:hiddenLine xmlns:a14="http://schemas.microsoft.com/office/drawing/2010/main" xmlns="" w="9525">
                   <a:solidFill>
                     <a:srgbClr val="000000"/>
                   </a:solidFill>
@@ -10755,7 +10755,7 @@
             </a:ln>
             <a:extLst>
               <a:ext uri="{91240B29-F687-4f45-9708-019B960494DF}">
-                <a14:hiddenLine xmlns="" xmlns:a14="http://schemas.microsoft.com/office/drawing/2010/main" w="9525">
+                <a14:hiddenLine xmlns:a14="http://schemas.microsoft.com/office/drawing/2010/main" xmlns="" w="9525">
                   <a:solidFill>
                     <a:srgbClr val="000000"/>
                   </a:solidFill>
@@ -10823,7 +10823,7 @@
             </a:ln>
             <a:extLst>
               <a:ext uri="{91240B29-F687-4f45-9708-019B960494DF}">
-                <a14:hiddenLine xmlns="" xmlns:a14="http://schemas.microsoft.com/office/drawing/2010/main" w="9525">
+                <a14:hiddenLine xmlns:a14="http://schemas.microsoft.com/office/drawing/2010/main" xmlns="" w="9525">
                   <a:solidFill>
                     <a:srgbClr val="000000"/>
                   </a:solidFill>
@@ -10913,7 +10913,7 @@
             </a:ln>
             <a:extLst>
               <a:ext uri="{91240B29-F687-4f45-9708-019B960494DF}">
-                <a14:hiddenLine xmlns="" xmlns:a14="http://schemas.microsoft.com/office/drawing/2010/main" w="9525">
+                <a14:hiddenLine xmlns:a14="http://schemas.microsoft.com/office/drawing/2010/main" xmlns="" w="9525">
                   <a:solidFill>
                     <a:srgbClr val="000000"/>
                   </a:solidFill>
@@ -10947,7 +10947,7 @@
             </a:ln>
             <a:extLst>
               <a:ext uri="{91240B29-F687-4f45-9708-019B960494DF}">
-                <a14:hiddenLine xmlns="" xmlns:a14="http://schemas.microsoft.com/office/drawing/2010/main" w="9525">
+                <a14:hiddenLine xmlns:a14="http://schemas.microsoft.com/office/drawing/2010/main" xmlns="" w="9525">
                   <a:solidFill>
                     <a:srgbClr val="000000"/>
                   </a:solidFill>
@@ -11037,7 +11037,7 @@
             </a:ln>
             <a:extLst>
               <a:ext uri="{91240B29-F687-4f45-9708-019B960494DF}">
-                <a14:hiddenLine xmlns="" xmlns:a14="http://schemas.microsoft.com/office/drawing/2010/main" w="9525">
+                <a14:hiddenLine xmlns:a14="http://schemas.microsoft.com/office/drawing/2010/main" xmlns="" w="9525">
                   <a:solidFill>
                     <a:srgbClr val="000000"/>
                   </a:solidFill>
@@ -11099,7 +11099,7 @@
             </a:ln>
             <a:extLst>
               <a:ext uri="{91240B29-F687-4f45-9708-019B960494DF}">
-                <a14:hiddenLine xmlns="" xmlns:a14="http://schemas.microsoft.com/office/drawing/2010/main" w="9525">
+                <a14:hiddenLine xmlns:a14="http://schemas.microsoft.com/office/drawing/2010/main" xmlns="" w="9525">
                   <a:solidFill>
                     <a:srgbClr val="000000"/>
                   </a:solidFill>
@@ -11161,7 +11161,7 @@
             </a:ln>
             <a:extLst>
               <a:ext uri="{91240B29-F687-4f45-9708-019B960494DF}">
-                <a14:hiddenLine xmlns="" xmlns:a14="http://schemas.microsoft.com/office/drawing/2010/main" w="9525">
+                <a14:hiddenLine xmlns:a14="http://schemas.microsoft.com/office/drawing/2010/main" xmlns="" w="9525">
                   <a:solidFill>
                     <a:srgbClr val="000000"/>
                   </a:solidFill>
@@ -11251,7 +11251,7 @@
             </a:ln>
             <a:extLst>
               <a:ext uri="{91240B29-F687-4f45-9708-019B960494DF}">
-                <a14:hiddenLine xmlns="" xmlns:a14="http://schemas.microsoft.com/office/drawing/2010/main" w="9525">
+                <a14:hiddenLine xmlns:a14="http://schemas.microsoft.com/office/drawing/2010/main" xmlns="" w="9525">
                   <a:solidFill>
                     <a:srgbClr val="000000"/>
                   </a:solidFill>
@@ -11319,7 +11319,7 @@
             </a:ln>
             <a:extLst>
               <a:ext uri="{91240B29-F687-4f45-9708-019B960494DF}">
-                <a14:hiddenLine xmlns="" xmlns:a14="http://schemas.microsoft.com/office/drawing/2010/main" w="9525">
+                <a14:hiddenLine xmlns:a14="http://schemas.microsoft.com/office/drawing/2010/main" xmlns="" w="9525">
                   <a:solidFill>
                     <a:srgbClr val="000000"/>
                   </a:solidFill>
@@ -11381,7 +11381,7 @@
             </a:ln>
             <a:extLst>
               <a:ext uri="{91240B29-F687-4f45-9708-019B960494DF}">
-                <a14:hiddenLine xmlns="" xmlns:a14="http://schemas.microsoft.com/office/drawing/2010/main" w="9525">
+                <a14:hiddenLine xmlns:a14="http://schemas.microsoft.com/office/drawing/2010/main" xmlns="" w="9525">
                   <a:solidFill>
                     <a:srgbClr val="000000"/>
                   </a:solidFill>
@@ -11471,7 +11471,7 @@
             </a:ln>
             <a:extLst>
               <a:ext uri="{91240B29-F687-4f45-9708-019B960494DF}">
-                <a14:hiddenLine xmlns="" xmlns:a14="http://schemas.microsoft.com/office/drawing/2010/main" w="9525">
+                <a14:hiddenLine xmlns:a14="http://schemas.microsoft.com/office/drawing/2010/main" xmlns="" w="9525">
                   <a:solidFill>
                     <a:srgbClr val="000000"/>
                   </a:solidFill>
@@ -11533,7 +11533,7 @@
             </a:ln>
             <a:extLst>
               <a:ext uri="{91240B29-F687-4f45-9708-019B960494DF}">
-                <a14:hiddenLine xmlns="" xmlns:a14="http://schemas.microsoft.com/office/drawing/2010/main" w="9525">
+                <a14:hiddenLine xmlns:a14="http://schemas.microsoft.com/office/drawing/2010/main" xmlns="" w="9525">
                   <a:solidFill>
                     <a:srgbClr val="000000"/>
                   </a:solidFill>
@@ -11623,7 +11623,7 @@
             </a:ln>
             <a:extLst>
               <a:ext uri="{91240B29-F687-4f45-9708-019B960494DF}">
-                <a14:hiddenLine xmlns="" xmlns:a14="http://schemas.microsoft.com/office/drawing/2010/main" w="9525">
+                <a14:hiddenLine xmlns:a14="http://schemas.microsoft.com/office/drawing/2010/main" xmlns="" w="9525">
                   <a:solidFill>
                     <a:srgbClr val="000000"/>
                   </a:solidFill>
@@ -11685,7 +11685,7 @@
             </a:ln>
             <a:extLst>
               <a:ext uri="{91240B29-F687-4f45-9708-019B960494DF}">
-                <a14:hiddenLine xmlns="" xmlns:a14="http://schemas.microsoft.com/office/drawing/2010/main" w="9525">
+                <a14:hiddenLine xmlns:a14="http://schemas.microsoft.com/office/drawing/2010/main" xmlns="" w="9525">
                   <a:solidFill>
                     <a:srgbClr val="000000"/>
                   </a:solidFill>
@@ -11775,7 +11775,7 @@
             </a:ln>
             <a:extLst>
               <a:ext uri="{91240B29-F687-4f45-9708-019B960494DF}">
-                <a14:hiddenLine xmlns="" xmlns:a14="http://schemas.microsoft.com/office/drawing/2010/main" w="9525">
+                <a14:hiddenLine xmlns:a14="http://schemas.microsoft.com/office/drawing/2010/main" xmlns="" w="9525">
                   <a:solidFill>
                     <a:srgbClr val="000000"/>
                   </a:solidFill>
@@ -11809,7 +11809,7 @@
             </a:ln>
             <a:extLst>
               <a:ext uri="{91240B29-F687-4f45-9708-019B960494DF}">
-                <a14:hiddenLine xmlns="" xmlns:a14="http://schemas.microsoft.com/office/drawing/2010/main" w="9525">
+                <a14:hiddenLine xmlns:a14="http://schemas.microsoft.com/office/drawing/2010/main" xmlns="" w="9525">
                   <a:solidFill>
                     <a:srgbClr val="000000"/>
                   </a:solidFill>
@@ -11874,7 +11874,7 @@
             </a:ln>
             <a:extLst>
               <a:ext uri="{91240B29-F687-4f45-9708-019B960494DF}">
-                <a14:hiddenLine xmlns="" xmlns:a14="http://schemas.microsoft.com/office/drawing/2010/main" w="9525">
+                <a14:hiddenLine xmlns:a14="http://schemas.microsoft.com/office/drawing/2010/main" xmlns="" w="9525">
                   <a:solidFill>
                     <a:srgbClr val="000000"/>
                   </a:solidFill>
@@ -11964,7 +11964,7 @@
             </a:ln>
             <a:extLst>
               <a:ext uri="{91240B29-F687-4f45-9708-019B960494DF}">
-                <a14:hiddenLine xmlns="" xmlns:a14="http://schemas.microsoft.com/office/drawing/2010/main" w="9525">
+                <a14:hiddenLine xmlns:a14="http://schemas.microsoft.com/office/drawing/2010/main" xmlns="" w="9525">
                   <a:solidFill>
                     <a:srgbClr val="000000"/>
                   </a:solidFill>
@@ -12026,7 +12026,7 @@
             </a:ln>
             <a:extLst>
               <a:ext uri="{91240B29-F687-4f45-9708-019B960494DF}">
-                <a14:hiddenLine xmlns="" xmlns:a14="http://schemas.microsoft.com/office/drawing/2010/main" w="9525">
+                <a14:hiddenLine xmlns:a14="http://schemas.microsoft.com/office/drawing/2010/main" xmlns="" w="9525">
                   <a:solidFill>
                     <a:srgbClr val="000000"/>
                   </a:solidFill>
@@ -12116,7 +12116,7 @@
             </a:ln>
             <a:extLst>
               <a:ext uri="{91240B29-F687-4f45-9708-019B960494DF}">
-                <a14:hiddenLine xmlns="" xmlns:a14="http://schemas.microsoft.com/office/drawing/2010/main" w="9525">
+                <a14:hiddenLine xmlns:a14="http://schemas.microsoft.com/office/drawing/2010/main" xmlns="" w="9525">
                   <a:solidFill>
                     <a:srgbClr val="000000"/>
                   </a:solidFill>
@@ -12206,7 +12206,7 @@
             </a:ln>
             <a:extLst>
               <a:ext uri="{91240B29-F687-4f45-9708-019B960494DF}">
-                <a14:hiddenLine xmlns="" xmlns:a14="http://schemas.microsoft.com/office/drawing/2010/main" w="9525">
+                <a14:hiddenLine xmlns:a14="http://schemas.microsoft.com/office/drawing/2010/main" xmlns="" w="9525">
                   <a:solidFill>
                     <a:srgbClr val="000000"/>
                   </a:solidFill>
@@ -12271,7 +12271,7 @@
             </a:ln>
             <a:extLst>
               <a:ext uri="{91240B29-F687-4f45-9708-019B960494DF}">
-                <a14:hiddenLine xmlns="" xmlns:a14="http://schemas.microsoft.com/office/drawing/2010/main" w="9525">
+                <a14:hiddenLine xmlns:a14="http://schemas.microsoft.com/office/drawing/2010/main" xmlns="" w="9525">
                   <a:solidFill>
                     <a:srgbClr val="000000"/>
                   </a:solidFill>
@@ -12333,7 +12333,7 @@
             </a:ln>
             <a:extLst>
               <a:ext uri="{91240B29-F687-4f45-9708-019B960494DF}">
-                <a14:hiddenLine xmlns="" xmlns:a14="http://schemas.microsoft.com/office/drawing/2010/main" w="9525">
+                <a14:hiddenLine xmlns:a14="http://schemas.microsoft.com/office/drawing/2010/main" xmlns="" w="9525">
                   <a:solidFill>
                     <a:srgbClr val="000000"/>
                   </a:solidFill>
@@ -12423,7 +12423,7 @@
             </a:ln>
             <a:extLst>
               <a:ext uri="{91240B29-F687-4f45-9708-019B960494DF}">
-                <a14:hiddenLine xmlns="" xmlns:a14="http://schemas.microsoft.com/office/drawing/2010/main" w="9525">
+                <a14:hiddenLine xmlns:a14="http://schemas.microsoft.com/office/drawing/2010/main" xmlns="" w="9525">
                   <a:solidFill>
                     <a:srgbClr val="000000"/>
                   </a:solidFill>
@@ -12513,7 +12513,7 @@
             </a:ln>
             <a:extLst>
               <a:ext uri="{91240B29-F687-4f45-9708-019B960494DF}">
-                <a14:hiddenLine xmlns="" xmlns:a14="http://schemas.microsoft.com/office/drawing/2010/main" w="9525">
+                <a14:hiddenLine xmlns:a14="http://schemas.microsoft.com/office/drawing/2010/main" xmlns="" w="9525">
                   <a:solidFill>
                     <a:srgbClr val="000000"/>
                   </a:solidFill>
@@ -12575,7 +12575,7 @@
             </a:ln>
             <a:extLst>
               <a:ext uri="{91240B29-F687-4f45-9708-019B960494DF}">
-                <a14:hiddenLine xmlns="" xmlns:a14="http://schemas.microsoft.com/office/drawing/2010/main" w="9525">
+                <a14:hiddenLine xmlns:a14="http://schemas.microsoft.com/office/drawing/2010/main" xmlns="" w="9525">
                   <a:solidFill>
                     <a:srgbClr val="000000"/>
                   </a:solidFill>
@@ -12695,7 +12695,7 @@
             </a:ln>
             <a:extLst>
               <a:ext uri="{91240B29-F687-4f45-9708-019B960494DF}">
-                <a14:hiddenLine xmlns="" xmlns:a14="http://schemas.microsoft.com/office/drawing/2010/main" w="9525">
+                <a14:hiddenLine xmlns:a14="http://schemas.microsoft.com/office/drawing/2010/main" xmlns="" w="9525">
                   <a:solidFill>
                     <a:srgbClr val="000000"/>
                   </a:solidFill>
@@ -12763,7 +12763,7 @@
             </a:ln>
             <a:extLst>
               <a:ext uri="{91240B29-F687-4f45-9708-019B960494DF}">
-                <a14:hiddenLine xmlns="" xmlns:a14="http://schemas.microsoft.com/office/drawing/2010/main" w="9525">
+                <a14:hiddenLine xmlns:a14="http://schemas.microsoft.com/office/drawing/2010/main" xmlns="" w="9525">
                   <a:solidFill>
                     <a:srgbClr val="000000"/>
                   </a:solidFill>
@@ -12853,7 +12853,7 @@
             </a:ln>
             <a:extLst>
               <a:ext uri="{91240B29-F687-4f45-9708-019B960494DF}">
-                <a14:hiddenLine xmlns="" xmlns:a14="http://schemas.microsoft.com/office/drawing/2010/main" w="9525">
+                <a14:hiddenLine xmlns:a14="http://schemas.microsoft.com/office/drawing/2010/main" xmlns="" w="9525">
                   <a:solidFill>
                     <a:srgbClr val="000000"/>
                   </a:solidFill>
@@ -17660,7 +17660,7 @@
           <a:noFill/>
           <a:extLst>
             <a:ext uri="{909E8E84-426E-40dd-AFC4-6F175D3DCCD1}">
-              <a14:hiddenFill xmlns="" xmlns:a14="http://schemas.microsoft.com/office/drawing/2010/main">
+              <a14:hiddenFill xmlns:a14="http://schemas.microsoft.com/office/drawing/2010/main" xmlns="">
                 <a:solidFill>
                   <a:srgbClr val="FFFFFF"/>
                 </a:solidFill>
@@ -17734,7 +17734,7 @@
               </a:ln>
               <a:extLst>
                 <a:ext uri="{91240B29-F687-4f45-9708-019B960494DF}">
-                  <a14:hiddenLine xmlns="" xmlns:a14="http://schemas.microsoft.com/office/drawing/2010/main" w="9525">
+                  <a14:hiddenLine xmlns:a14="http://schemas.microsoft.com/office/drawing/2010/main" xmlns="" w="9525">
                     <a:solidFill>
                       <a:srgbClr val="000000"/>
                     </a:solidFill>
@@ -17824,7 +17824,7 @@
               </a:ln>
               <a:extLst>
                 <a:ext uri="{91240B29-F687-4f45-9708-019B960494DF}">
-                  <a14:hiddenLine xmlns="" xmlns:a14="http://schemas.microsoft.com/office/drawing/2010/main" w="9525">
+                  <a14:hiddenLine xmlns:a14="http://schemas.microsoft.com/office/drawing/2010/main" xmlns="" w="9525">
                     <a:solidFill>
                       <a:srgbClr val="000000"/>
                     </a:solidFill>
@@ -17914,7 +17914,7 @@
               </a:ln>
               <a:extLst>
                 <a:ext uri="{91240B29-F687-4f45-9708-019B960494DF}">
-                  <a14:hiddenLine xmlns="" xmlns:a14="http://schemas.microsoft.com/office/drawing/2010/main" w="9525">
+                  <a14:hiddenLine xmlns:a14="http://schemas.microsoft.com/office/drawing/2010/main" xmlns="" w="9525">
                     <a:solidFill>
                       <a:srgbClr val="000000"/>
                     </a:solidFill>
@@ -17976,7 +17976,7 @@
               </a:ln>
               <a:extLst>
                 <a:ext uri="{91240B29-F687-4f45-9708-019B960494DF}">
-                  <a14:hiddenLine xmlns="" xmlns:a14="http://schemas.microsoft.com/office/drawing/2010/main" w="9525">
+                  <a14:hiddenLine xmlns:a14="http://schemas.microsoft.com/office/drawing/2010/main" xmlns="" w="9525">
                     <a:solidFill>
                       <a:srgbClr val="000000"/>
                     </a:solidFill>
@@ -18066,7 +18066,7 @@
               </a:ln>
               <a:extLst>
                 <a:ext uri="{91240B29-F687-4f45-9708-019B960494DF}">
-                  <a14:hiddenLine xmlns="" xmlns:a14="http://schemas.microsoft.com/office/drawing/2010/main" w="9525">
+                  <a14:hiddenLine xmlns:a14="http://schemas.microsoft.com/office/drawing/2010/main" xmlns="" w="9525">
                     <a:solidFill>
                       <a:srgbClr val="000000"/>
                     </a:solidFill>
@@ -18128,7 +18128,7 @@
               </a:ln>
               <a:extLst>
                 <a:ext uri="{91240B29-F687-4f45-9708-019B960494DF}">
-                  <a14:hiddenLine xmlns="" xmlns:a14="http://schemas.microsoft.com/office/drawing/2010/main" w="9525">
+                  <a14:hiddenLine xmlns:a14="http://schemas.microsoft.com/office/drawing/2010/main" xmlns="" w="9525">
                     <a:solidFill>
                       <a:srgbClr val="000000"/>
                     </a:solidFill>
@@ -18190,7 +18190,7 @@
               </a:ln>
               <a:extLst>
                 <a:ext uri="{91240B29-F687-4f45-9708-019B960494DF}">
-                  <a14:hiddenLine xmlns="" xmlns:a14="http://schemas.microsoft.com/office/drawing/2010/main" w="9525">
+                  <a14:hiddenLine xmlns:a14="http://schemas.microsoft.com/office/drawing/2010/main" xmlns="" w="9525">
                     <a:solidFill>
                       <a:srgbClr val="000000"/>
                     </a:solidFill>
@@ -18280,7 +18280,7 @@
               </a:ln>
               <a:extLst>
                 <a:ext uri="{91240B29-F687-4f45-9708-019B960494DF}">
-                  <a14:hiddenLine xmlns="" xmlns:a14="http://schemas.microsoft.com/office/drawing/2010/main" w="9525">
+                  <a14:hiddenLine xmlns:a14="http://schemas.microsoft.com/office/drawing/2010/main" xmlns="" w="9525">
                     <a:solidFill>
                       <a:srgbClr val="000000"/>
                     </a:solidFill>
@@ -18370,7 +18370,7 @@
               </a:ln>
               <a:extLst>
                 <a:ext uri="{91240B29-F687-4f45-9708-019B960494DF}">
-                  <a14:hiddenLine xmlns="" xmlns:a14="http://schemas.microsoft.com/office/drawing/2010/main" w="9525">
+                  <a14:hiddenLine xmlns:a14="http://schemas.microsoft.com/office/drawing/2010/main" xmlns="" w="9525">
                     <a:solidFill>
                       <a:srgbClr val="000000"/>
                     </a:solidFill>
@@ -18432,7 +18432,7 @@
               </a:ln>
               <a:extLst>
                 <a:ext uri="{91240B29-F687-4f45-9708-019B960494DF}">
-                  <a14:hiddenLine xmlns="" xmlns:a14="http://schemas.microsoft.com/office/drawing/2010/main" w="9525">
+                  <a14:hiddenLine xmlns:a14="http://schemas.microsoft.com/office/drawing/2010/main" xmlns="" w="9525">
                     <a:solidFill>
                       <a:srgbClr val="000000"/>
                     </a:solidFill>
@@ -18542,7 +18542,7 @@
               </a:ln>
               <a:extLst>
                 <a:ext uri="{91240B29-F687-4f45-9708-019B960494DF}">
-                  <a14:hiddenLine xmlns="" xmlns:a14="http://schemas.microsoft.com/office/drawing/2010/main" w="9525">
+                  <a14:hiddenLine xmlns:a14="http://schemas.microsoft.com/office/drawing/2010/main" xmlns="" w="9525">
                     <a:solidFill>
                       <a:srgbClr val="000000"/>
                     </a:solidFill>
@@ -18626,7 +18626,7 @@
               </a:ln>
               <a:extLst>
                 <a:ext uri="{91240B29-F687-4f45-9708-019B960494DF}">
-                  <a14:hiddenLine xmlns="" xmlns:a14="http://schemas.microsoft.com/office/drawing/2010/main" w="9525">
+                  <a14:hiddenLine xmlns:a14="http://schemas.microsoft.com/office/drawing/2010/main" xmlns="" w="9525">
                     <a:solidFill>
                       <a:srgbClr val="000000"/>
                     </a:solidFill>
@@ -18688,7 +18688,7 @@
               </a:ln>
               <a:extLst>
                 <a:ext uri="{91240B29-F687-4f45-9708-019B960494DF}">
-                  <a14:hiddenLine xmlns="" xmlns:a14="http://schemas.microsoft.com/office/drawing/2010/main" w="9525">
+                  <a14:hiddenLine xmlns:a14="http://schemas.microsoft.com/office/drawing/2010/main" xmlns="" w="9525">
                     <a:solidFill>
                       <a:srgbClr val="000000"/>
                     </a:solidFill>
@@ -18750,7 +18750,7 @@
               </a:ln>
               <a:extLst>
                 <a:ext uri="{91240B29-F687-4f45-9708-019B960494DF}">
-                  <a14:hiddenLine xmlns="" xmlns:a14="http://schemas.microsoft.com/office/drawing/2010/main" w="9525">
+                  <a14:hiddenLine xmlns:a14="http://schemas.microsoft.com/office/drawing/2010/main" xmlns="" w="9525">
                     <a:solidFill>
                       <a:srgbClr val="000000"/>
                     </a:solidFill>
@@ -18840,7 +18840,7 @@
               </a:ln>
               <a:extLst>
                 <a:ext uri="{91240B29-F687-4f45-9708-019B960494DF}">
-                  <a14:hiddenLine xmlns="" xmlns:a14="http://schemas.microsoft.com/office/drawing/2010/main" w="9525">
+                  <a14:hiddenLine xmlns:a14="http://schemas.microsoft.com/office/drawing/2010/main" xmlns="" w="9525">
                     <a:solidFill>
                       <a:srgbClr val="000000"/>
                     </a:solidFill>
@@ -18874,7 +18874,7 @@
               </a:ln>
               <a:extLst>
                 <a:ext uri="{91240B29-F687-4f45-9708-019B960494DF}">
-                  <a14:hiddenLine xmlns="" xmlns:a14="http://schemas.microsoft.com/office/drawing/2010/main" w="9525">
+                  <a14:hiddenLine xmlns:a14="http://schemas.microsoft.com/office/drawing/2010/main" xmlns="" w="9525">
                     <a:solidFill>
                       <a:srgbClr val="000000"/>
                     </a:solidFill>
@@ -18939,7 +18939,7 @@
               </a:ln>
               <a:extLst>
                 <a:ext uri="{91240B29-F687-4f45-9708-019B960494DF}">
-                  <a14:hiddenLine xmlns="" xmlns:a14="http://schemas.microsoft.com/office/drawing/2010/main" w="9525">
+                  <a14:hiddenLine xmlns:a14="http://schemas.microsoft.com/office/drawing/2010/main" xmlns="" w="9525">
                     <a:solidFill>
                       <a:srgbClr val="000000"/>
                     </a:solidFill>
@@ -19029,7 +19029,7 @@
               </a:ln>
               <a:extLst>
                 <a:ext uri="{91240B29-F687-4f45-9708-019B960494DF}">
-                  <a14:hiddenLine xmlns="" xmlns:a14="http://schemas.microsoft.com/office/drawing/2010/main" w="9525">
+                  <a14:hiddenLine xmlns:a14="http://schemas.microsoft.com/office/drawing/2010/main" xmlns="" w="9525">
                     <a:solidFill>
                       <a:srgbClr val="000000"/>
                     </a:solidFill>
@@ -19091,7 +19091,7 @@
               </a:ln>
               <a:extLst>
                 <a:ext uri="{91240B29-F687-4f45-9708-019B960494DF}">
-                  <a14:hiddenLine xmlns="" xmlns:a14="http://schemas.microsoft.com/office/drawing/2010/main" w="9525">
+                  <a14:hiddenLine xmlns:a14="http://schemas.microsoft.com/office/drawing/2010/main" xmlns="" w="9525">
                     <a:solidFill>
                       <a:srgbClr val="000000"/>
                     </a:solidFill>
@@ -19181,7 +19181,7 @@
               </a:ln>
               <a:extLst>
                 <a:ext uri="{91240B29-F687-4f45-9708-019B960494DF}">
-                  <a14:hiddenLine xmlns="" xmlns:a14="http://schemas.microsoft.com/office/drawing/2010/main" w="9525">
+                  <a14:hiddenLine xmlns:a14="http://schemas.microsoft.com/office/drawing/2010/main" xmlns="" w="9525">
                     <a:solidFill>
                       <a:srgbClr val="000000"/>
                     </a:solidFill>
@@ -19246,7 +19246,7 @@
               </a:ln>
               <a:extLst>
                 <a:ext uri="{91240B29-F687-4f45-9708-019B960494DF}">
-                  <a14:hiddenLine xmlns="" xmlns:a14="http://schemas.microsoft.com/office/drawing/2010/main" w="9525">
+                  <a14:hiddenLine xmlns:a14="http://schemas.microsoft.com/office/drawing/2010/main" xmlns="" w="9525">
                     <a:solidFill>
                       <a:srgbClr val="000000"/>
                     </a:solidFill>
@@ -19308,7 +19308,7 @@
               </a:ln>
               <a:extLst>
                 <a:ext uri="{91240B29-F687-4f45-9708-019B960494DF}">
-                  <a14:hiddenLine xmlns="" xmlns:a14="http://schemas.microsoft.com/office/drawing/2010/main" w="9525">
+                  <a14:hiddenLine xmlns:a14="http://schemas.microsoft.com/office/drawing/2010/main" xmlns="" w="9525">
                     <a:solidFill>
                       <a:srgbClr val="000000"/>
                     </a:solidFill>
@@ -19398,7 +19398,7 @@
               </a:ln>
               <a:extLst>
                 <a:ext uri="{91240B29-F687-4f45-9708-019B960494DF}">
-                  <a14:hiddenLine xmlns="" xmlns:a14="http://schemas.microsoft.com/office/drawing/2010/main" w="9525">
+                  <a14:hiddenLine xmlns:a14="http://schemas.microsoft.com/office/drawing/2010/main" xmlns="" w="9525">
                     <a:solidFill>
                       <a:srgbClr val="000000"/>
                     </a:solidFill>
@@ -19488,7 +19488,7 @@
               </a:ln>
               <a:extLst>
                 <a:ext uri="{91240B29-F687-4f45-9708-019B960494DF}">
-                  <a14:hiddenLine xmlns="" xmlns:a14="http://schemas.microsoft.com/office/drawing/2010/main" w="9525">
+                  <a14:hiddenLine xmlns:a14="http://schemas.microsoft.com/office/drawing/2010/main" xmlns="" w="9525">
                     <a:solidFill>
                       <a:srgbClr val="000000"/>
                     </a:solidFill>
@@ -19553,7 +19553,7 @@
               </a:ln>
               <a:extLst>
                 <a:ext uri="{91240B29-F687-4f45-9708-019B960494DF}">
-                  <a14:hiddenLine xmlns="" xmlns:a14="http://schemas.microsoft.com/office/drawing/2010/main" w="9525">
+                  <a14:hiddenLine xmlns:a14="http://schemas.microsoft.com/office/drawing/2010/main" xmlns="" w="9525">
                     <a:solidFill>
                       <a:srgbClr val="000000"/>
                     </a:solidFill>
@@ -19673,7 +19673,7 @@
               </a:ln>
               <a:extLst>
                 <a:ext uri="{91240B29-F687-4f45-9708-019B960494DF}">
-                  <a14:hiddenLine xmlns="" xmlns:a14="http://schemas.microsoft.com/office/drawing/2010/main" w="9525">
+                  <a14:hiddenLine xmlns:a14="http://schemas.microsoft.com/office/drawing/2010/main" xmlns="" w="9525">
                     <a:solidFill>
                       <a:srgbClr val="000000"/>
                     </a:solidFill>
@@ -19771,7 +19771,7 @@
               </a:ln>
               <a:extLst>
                 <a:ext uri="{91240B29-F687-4f45-9708-019B960494DF}">
-                  <a14:hiddenLine xmlns="" xmlns:a14="http://schemas.microsoft.com/office/drawing/2010/main" w="9525">
+                  <a14:hiddenLine xmlns:a14="http://schemas.microsoft.com/office/drawing/2010/main" xmlns="" w="9525">
                     <a:solidFill>
                       <a:srgbClr val="000000"/>
                     </a:solidFill>
@@ -19886,7 +19886,7 @@
               </a:ln>
               <a:extLst>
                 <a:ext uri="{91240B29-F687-4f45-9708-019B960494DF}">
-                  <a14:hiddenLine xmlns="" xmlns:a14="http://schemas.microsoft.com/office/drawing/2010/main" w="9525">
+                  <a14:hiddenLine xmlns:a14="http://schemas.microsoft.com/office/drawing/2010/main" xmlns="" w="9525">
                     <a:solidFill>
                       <a:srgbClr val="000000"/>
                     </a:solidFill>
@@ -19976,7 +19976,7 @@
               </a:ln>
               <a:extLst>
                 <a:ext uri="{91240B29-F687-4f45-9708-019B960494DF}">
-                  <a14:hiddenLine xmlns="" xmlns:a14="http://schemas.microsoft.com/office/drawing/2010/main" w="9525">
+                  <a14:hiddenLine xmlns:a14="http://schemas.microsoft.com/office/drawing/2010/main" xmlns="" w="9525">
                     <a:solidFill>
                       <a:srgbClr val="000000"/>
                     </a:solidFill>
@@ -20041,7 +20041,7 @@
               </a:ln>
               <a:extLst>
                 <a:ext uri="{91240B29-F687-4f45-9708-019B960494DF}">
-                  <a14:hiddenLine xmlns="" xmlns:a14="http://schemas.microsoft.com/office/drawing/2010/main" w="9525">
+                  <a14:hiddenLine xmlns:a14="http://schemas.microsoft.com/office/drawing/2010/main" xmlns="" w="9525">
                     <a:solidFill>
                       <a:srgbClr val="000000"/>
                     </a:solidFill>
@@ -20131,7 +20131,7 @@
               </a:ln>
               <a:extLst>
                 <a:ext uri="{91240B29-F687-4f45-9708-019B960494DF}">
-                  <a14:hiddenLine xmlns="" xmlns:a14="http://schemas.microsoft.com/office/drawing/2010/main" w="9525">
+                  <a14:hiddenLine xmlns:a14="http://schemas.microsoft.com/office/drawing/2010/main" xmlns="" w="9525">
                     <a:solidFill>
                       <a:srgbClr val="000000"/>
                     </a:solidFill>
@@ -20199,7 +20199,7 @@
               </a:ln>
               <a:extLst>
                 <a:ext uri="{91240B29-F687-4f45-9708-019B960494DF}">
-                  <a14:hiddenLine xmlns="" xmlns:a14="http://schemas.microsoft.com/office/drawing/2010/main" w="9525">
+                  <a14:hiddenLine xmlns:a14="http://schemas.microsoft.com/office/drawing/2010/main" xmlns="" w="9525">
                     <a:solidFill>
                       <a:srgbClr val="000000"/>
                     </a:solidFill>
@@ -20289,7 +20289,7 @@
               </a:ln>
               <a:extLst>
                 <a:ext uri="{91240B29-F687-4f45-9708-019B960494DF}">
-                  <a14:hiddenLine xmlns="" xmlns:a14="http://schemas.microsoft.com/office/drawing/2010/main" w="9525">
+                  <a14:hiddenLine xmlns:a14="http://schemas.microsoft.com/office/drawing/2010/main" xmlns="" w="9525">
                     <a:solidFill>
                       <a:srgbClr val="000000"/>
                     </a:solidFill>
@@ -20357,7 +20357,7 @@
               </a:ln>
               <a:extLst>
                 <a:ext uri="{91240B29-F687-4f45-9708-019B960494DF}">
-                  <a14:hiddenLine xmlns="" xmlns:a14="http://schemas.microsoft.com/office/drawing/2010/main" w="9525">
+                  <a14:hiddenLine xmlns:a14="http://schemas.microsoft.com/office/drawing/2010/main" xmlns="" w="9525">
                     <a:solidFill>
                       <a:srgbClr val="000000"/>
                     </a:solidFill>
@@ -20447,7 +20447,7 @@
               </a:ln>
               <a:extLst>
                 <a:ext uri="{91240B29-F687-4f45-9708-019B960494DF}">
-                  <a14:hiddenLine xmlns="" xmlns:a14="http://schemas.microsoft.com/office/drawing/2010/main" w="9525">
+                  <a14:hiddenLine xmlns:a14="http://schemas.microsoft.com/office/drawing/2010/main" xmlns="" w="9525">
                     <a:solidFill>
                       <a:srgbClr val="000000"/>
                     </a:solidFill>
@@ -20481,7 +20481,7 @@
               </a:ln>
               <a:extLst>
                 <a:ext uri="{91240B29-F687-4f45-9708-019B960494DF}">
-                  <a14:hiddenLine xmlns="" xmlns:a14="http://schemas.microsoft.com/office/drawing/2010/main" w="9525">
+                  <a14:hiddenLine xmlns:a14="http://schemas.microsoft.com/office/drawing/2010/main" xmlns="" w="9525">
                     <a:solidFill>
                       <a:srgbClr val="000000"/>
                     </a:solidFill>
@@ -31811,20 +31811,20 @@
 </file>
 
 <file path=customXml/item1.xml><?xml version="1.0" encoding="utf-8"?>
-<p:properties xmlns:p="http://schemas.microsoft.com/office/2006/metadata/properties" xmlns:xsi="http://www.w3.org/2001/XMLSchema-instance" xmlns:pc="http://schemas.microsoft.com/office/infopath/2007/PartnerControls">
-  <documentManagement>
-    <_activity xmlns="e2750cde-43d6-4eda-a582-fdf0d091b109" xsi:nil="true"/>
-  </documentManagement>
-</p:properties>
-</file>
-
-<file path=customXml/item2.xml><?xml version="1.0" encoding="utf-8"?>
 <?mso-contentType ?>
 <FormTemplates xmlns="http://schemas.microsoft.com/sharepoint/v3/contenttype/forms">
   <Display>DocumentLibraryForm</Display>
   <Edit>DocumentLibraryForm</Edit>
   <New>DocumentLibraryForm</New>
 </FormTemplates>
+</file>
+
+<file path=customXml/item2.xml><?xml version="1.0" encoding="utf-8"?>
+<p:properties xmlns:p="http://schemas.microsoft.com/office/2006/metadata/properties" xmlns:xsi="http://www.w3.org/2001/XMLSchema-instance" xmlns:pc="http://schemas.microsoft.com/office/infopath/2007/PartnerControls">
+  <documentManagement>
+    <_activity xmlns="e2750cde-43d6-4eda-a582-fdf0d091b109" xsi:nil="true"/>
+  </documentManagement>
+</p:properties>
 </file>
 
 <file path=customXml/item3.xml><?xml version="1.0" encoding="utf-8"?>
@@ -32075,6 +32075,14 @@
 </file>
 
 <file path=customXml/itemProps1.xml><?xml version="1.0" encoding="utf-8"?>
+<ds:datastoreItem xmlns:ds="http://schemas.openxmlformats.org/officeDocument/2006/customXml" ds:itemID="{1BAEF1B6-45C7-443B-A152-892D9BAFA513}">
+  <ds:schemaRefs>
+    <ds:schemaRef ds:uri="http://schemas.microsoft.com/sharepoint/v3/contenttype/forms"/>
+  </ds:schemaRefs>
+</ds:datastoreItem>
+</file>
+
+<file path=customXml/itemProps2.xml><?xml version="1.0" encoding="utf-8"?>
 <ds:datastoreItem xmlns:ds="http://schemas.openxmlformats.org/officeDocument/2006/customXml" ds:itemID="{0FFBE513-B99B-488C-BB08-75670AECA46A}">
   <ds:schemaRefs>
     <ds:schemaRef ds:uri="http://purl.org/dc/terms/"/>
@@ -32087,14 +32095,6 @@
     <ds:schemaRef ds:uri="b37a9e9f-dabd-4ec4-96f1-5ea18684f50e"/>
     <ds:schemaRef ds:uri="http://www.w3.org/XML/1998/namespace"/>
     <ds:schemaRef ds:uri="http://purl.org/dc/dcmitype/"/>
-  </ds:schemaRefs>
-</ds:datastoreItem>
-</file>
-
-<file path=customXml/itemProps2.xml><?xml version="1.0" encoding="utf-8"?>
-<ds:datastoreItem xmlns:ds="http://schemas.openxmlformats.org/officeDocument/2006/customXml" ds:itemID="{1BAEF1B6-45C7-443B-A152-892D9BAFA513}">
-  <ds:schemaRefs>
-    <ds:schemaRef ds:uri="http://schemas.microsoft.com/sharepoint/v3/contenttype/forms"/>
   </ds:schemaRefs>
 </ds:datastoreItem>
 </file>
